--- a/Presentations/Wolma_Final.pptx
+++ b/Presentations/Wolma_Final.pptx
@@ -3490,7 +3490,7 @@
       </p:sp>
       <p:pic>
         <p:nvPicPr>
-          <p:cNvPr id="4" name="Content Placeholder 3"/>
+          <p:cNvPr id="8" name="Content Placeholder 7"/>
           <p:cNvPicPr>
             <a:picLocks noGrp="1" noChangeAspect="1"/>
           </p:cNvPicPr>
@@ -3513,7 +3513,7 @@
         <p:spPr>
           <a:xfrm>
             <a:off x="1554691" y="1600200"/>
-            <a:ext cx="6034617" cy="4525963"/>
+            <a:ext cx="6034617" cy="4525962"/>
           </a:xfrm>
         </p:spPr>
       </p:pic>
@@ -3596,8 +3596,19 @@
           <a:p>
             <a:r>
               <a:rPr lang="en-US" dirty="0" smtClean="0"/>
-              <a:t>UPDATE THIS HERE</a:t>
-            </a:r>
+              <a:t>Does not always show days with snow on antenna</a:t>
+            </a:r>
+          </a:p>
+          <a:p>
+            <a:r>
+              <a:rPr lang="en-US" dirty="0" smtClean="0"/>
+              <a:t>Better outlier </a:t>
+            </a:r>
+            <a:r>
+              <a:rPr lang="en-US" smtClean="0"/>
+              <a:t>finding could help</a:t>
+            </a:r>
+            <a:endParaRPr lang="en-US" dirty="0" smtClean="0"/>
           </a:p>
           <a:p>
             <a:endParaRPr lang="en-US" dirty="0" smtClean="0"/>
